--- a/schematics/schematics.pptx
+++ b/schematics/schematics.pptx
@@ -104,6 +104,11 @@
       </a:defRPr>
     </a:lvl9pPr>
   </p:defaultTextStyle>
+  <p:extLst>
+    <p:ext uri="{EFAFB233-063F-42B5-8137-9DF3F51BA10A}">
+      <p15:sldGuideLst xmlns:p15="http://schemas.microsoft.com/office/powerpoint/2012/main"/>
+    </p:ext>
+  </p:extLst>
 </p:presentation>
 </file>
 
@@ -256,7 +261,7 @@
           <a:p>
             <a:fld id="{77B7C17D-4549-4B5F-A481-C30D1F20BE62}" type="datetimeFigureOut">
               <a:rPr lang="pt-PT" smtClean="0"/>
-              <a:t>01/07/2025</a:t>
+              <a:t>03/07/2025</a:t>
             </a:fld>
             <a:endParaRPr lang="pt-PT"/>
           </a:p>
@@ -456,7 +461,7 @@
           <a:p>
             <a:fld id="{77B7C17D-4549-4B5F-A481-C30D1F20BE62}" type="datetimeFigureOut">
               <a:rPr lang="pt-PT" smtClean="0"/>
-              <a:t>01/07/2025</a:t>
+              <a:t>03/07/2025</a:t>
             </a:fld>
             <a:endParaRPr lang="pt-PT"/>
           </a:p>
@@ -666,7 +671,7 @@
           <a:p>
             <a:fld id="{77B7C17D-4549-4B5F-A481-C30D1F20BE62}" type="datetimeFigureOut">
               <a:rPr lang="pt-PT" smtClean="0"/>
-              <a:t>01/07/2025</a:t>
+              <a:t>03/07/2025</a:t>
             </a:fld>
             <a:endParaRPr lang="pt-PT"/>
           </a:p>
@@ -866,7 +871,7 @@
           <a:p>
             <a:fld id="{77B7C17D-4549-4B5F-A481-C30D1F20BE62}" type="datetimeFigureOut">
               <a:rPr lang="pt-PT" smtClean="0"/>
-              <a:t>01/07/2025</a:t>
+              <a:t>03/07/2025</a:t>
             </a:fld>
             <a:endParaRPr lang="pt-PT"/>
           </a:p>
@@ -1142,7 +1147,7 @@
           <a:p>
             <a:fld id="{77B7C17D-4549-4B5F-A481-C30D1F20BE62}" type="datetimeFigureOut">
               <a:rPr lang="pt-PT" smtClean="0"/>
-              <a:t>01/07/2025</a:t>
+              <a:t>03/07/2025</a:t>
             </a:fld>
             <a:endParaRPr lang="pt-PT"/>
           </a:p>
@@ -1410,7 +1415,7 @@
           <a:p>
             <a:fld id="{77B7C17D-4549-4B5F-A481-C30D1F20BE62}" type="datetimeFigureOut">
               <a:rPr lang="pt-PT" smtClean="0"/>
-              <a:t>01/07/2025</a:t>
+              <a:t>03/07/2025</a:t>
             </a:fld>
             <a:endParaRPr lang="pt-PT"/>
           </a:p>
@@ -1825,7 +1830,7 @@
           <a:p>
             <a:fld id="{77B7C17D-4549-4B5F-A481-C30D1F20BE62}" type="datetimeFigureOut">
               <a:rPr lang="pt-PT" smtClean="0"/>
-              <a:t>01/07/2025</a:t>
+              <a:t>03/07/2025</a:t>
             </a:fld>
             <a:endParaRPr lang="pt-PT"/>
           </a:p>
@@ -1967,7 +1972,7 @@
           <a:p>
             <a:fld id="{77B7C17D-4549-4B5F-A481-C30D1F20BE62}" type="datetimeFigureOut">
               <a:rPr lang="pt-PT" smtClean="0"/>
-              <a:t>01/07/2025</a:t>
+              <a:t>03/07/2025</a:t>
             </a:fld>
             <a:endParaRPr lang="pt-PT"/>
           </a:p>
@@ -2080,7 +2085,7 @@
           <a:p>
             <a:fld id="{77B7C17D-4549-4B5F-A481-C30D1F20BE62}" type="datetimeFigureOut">
               <a:rPr lang="pt-PT" smtClean="0"/>
-              <a:t>01/07/2025</a:t>
+              <a:t>03/07/2025</a:t>
             </a:fld>
             <a:endParaRPr lang="pt-PT"/>
           </a:p>
@@ -2393,7 +2398,7 @@
           <a:p>
             <a:fld id="{77B7C17D-4549-4B5F-A481-C30D1F20BE62}" type="datetimeFigureOut">
               <a:rPr lang="pt-PT" smtClean="0"/>
-              <a:t>01/07/2025</a:t>
+              <a:t>03/07/2025</a:t>
             </a:fld>
             <a:endParaRPr lang="pt-PT"/>
           </a:p>
@@ -2682,7 +2687,7 @@
           <a:p>
             <a:fld id="{77B7C17D-4549-4B5F-A481-C30D1F20BE62}" type="datetimeFigureOut">
               <a:rPr lang="pt-PT" smtClean="0"/>
-              <a:t>01/07/2025</a:t>
+              <a:t>03/07/2025</a:t>
             </a:fld>
             <a:endParaRPr lang="pt-PT"/>
           </a:p>
@@ -2925,7 +2930,7 @@
           <a:p>
             <a:fld id="{77B7C17D-4549-4B5F-A481-C30D1F20BE62}" type="datetimeFigureOut">
               <a:rPr lang="pt-PT" smtClean="0"/>
-              <a:t>01/07/2025</a:t>
+              <a:t>03/07/2025</a:t>
             </a:fld>
             <a:endParaRPr lang="pt-PT"/>
           </a:p>
@@ -3356,7 +3361,7 @@
         </p:nvGrpSpPr>
         <p:grpSpPr>
           <a:xfrm>
-            <a:off x="4612767" y="5153406"/>
+            <a:off x="4749927" y="5857494"/>
             <a:ext cx="1590675" cy="547116"/>
             <a:chOff x="3771519" y="3461766"/>
             <a:chExt cx="1590675" cy="547116"/>
@@ -3476,7 +3481,7 @@
         </p:nvGrpSpPr>
         <p:grpSpPr>
           <a:xfrm>
-            <a:off x="6203442" y="5153406"/>
+            <a:off x="6340602" y="5857494"/>
             <a:ext cx="1590675" cy="547116"/>
             <a:chOff x="3771519" y="3461766"/>
             <a:chExt cx="1590675" cy="547116"/>
@@ -3601,7 +3606,7 @@
         </p:nvGrpSpPr>
         <p:grpSpPr>
           <a:xfrm>
-            <a:off x="7794117" y="5153406"/>
+            <a:off x="7931277" y="5857494"/>
             <a:ext cx="1590675" cy="547116"/>
             <a:chOff x="3771519" y="3461766"/>
             <a:chExt cx="1590675" cy="547116"/>
@@ -3731,7 +3736,7 @@
         </p:nvSpPr>
         <p:spPr>
           <a:xfrm>
-            <a:off x="5238940" y="4760214"/>
+            <a:off x="5376100" y="5464302"/>
             <a:ext cx="484632" cy="393192"/>
           </a:xfrm>
           <a:prstGeom prst="upArrow">
@@ -3777,7 +3782,7 @@
         </p:nvSpPr>
         <p:spPr>
           <a:xfrm>
-            <a:off x="6783323" y="4760214"/>
+            <a:off x="6920483" y="5464302"/>
             <a:ext cx="484632" cy="393192"/>
           </a:xfrm>
           <a:prstGeom prst="upArrow">
@@ -3823,7 +3828,7 @@
         </p:nvSpPr>
         <p:spPr>
           <a:xfrm>
-            <a:off x="8420290" y="4760214"/>
+            <a:off x="8557450" y="5464302"/>
             <a:ext cx="484632" cy="393192"/>
           </a:xfrm>
           <a:prstGeom prst="upArrow">
@@ -3869,7 +3874,7 @@
         </p:nvSpPr>
         <p:spPr>
           <a:xfrm>
-            <a:off x="5074920" y="4297680"/>
+            <a:off x="5212080" y="5001768"/>
             <a:ext cx="3830002" cy="462534"/>
           </a:xfrm>
           <a:prstGeom prst="rect">
@@ -3919,7 +3924,7 @@
         </p:nvSpPr>
         <p:spPr>
           <a:xfrm>
-            <a:off x="5074920" y="3192399"/>
+            <a:off x="5212080" y="3896487"/>
             <a:ext cx="3830002" cy="1105281"/>
           </a:xfrm>
           <a:prstGeom prst="rect">
@@ -4029,7 +4034,7 @@
         </p:nvSpPr>
         <p:spPr>
           <a:xfrm>
-            <a:off x="6260306" y="2606040"/>
+            <a:off x="6397466" y="3310128"/>
             <a:ext cx="1459229" cy="586359"/>
           </a:xfrm>
           <a:prstGeom prst="upArrow">
@@ -4075,7 +4080,7 @@
         </p:nvSpPr>
         <p:spPr>
           <a:xfrm>
-            <a:off x="4612767" y="2121789"/>
+            <a:off x="4749927" y="2825877"/>
             <a:ext cx="6362699" cy="462534"/>
           </a:xfrm>
           <a:prstGeom prst="rect">
@@ -4125,7 +4130,7 @@
         </p:nvGrpSpPr>
         <p:grpSpPr>
           <a:xfrm>
-            <a:off x="9384792" y="5153406"/>
+            <a:off x="9521952" y="5857494"/>
             <a:ext cx="1590675" cy="547116"/>
             <a:chOff x="3771519" y="3461766"/>
             <a:chExt cx="1590675" cy="547116"/>
@@ -4260,7 +4265,7 @@
         </p:nvSpPr>
         <p:spPr>
           <a:xfrm>
-            <a:off x="9937813" y="2606040"/>
+            <a:off x="10074973" y="3310128"/>
             <a:ext cx="484632" cy="2547366"/>
           </a:xfrm>
           <a:prstGeom prst="upArrow">
@@ -4306,8 +4311,8 @@
         </p:nvGrpSpPr>
         <p:grpSpPr>
           <a:xfrm>
-            <a:off x="4383404" y="699135"/>
-            <a:ext cx="1711071" cy="1014222"/>
+            <a:off x="4520564" y="1411603"/>
+            <a:ext cx="1711071" cy="1005841"/>
             <a:chOff x="1151001" y="851916"/>
             <a:chExt cx="1711071" cy="497205"/>
           </a:xfrm>
@@ -4426,7 +4431,7 @@
         </p:nvGrpSpPr>
         <p:grpSpPr>
           <a:xfrm>
-            <a:off x="6094474" y="700468"/>
+            <a:off x="6231634" y="1404556"/>
             <a:ext cx="1711071" cy="1014222"/>
             <a:chOff x="1151001" y="851916"/>
             <a:chExt cx="1711071" cy="497205"/>
@@ -4556,7 +4561,7 @@
         </p:nvGrpSpPr>
         <p:grpSpPr>
           <a:xfrm>
-            <a:off x="7805543" y="702182"/>
+            <a:off x="7942703" y="1406270"/>
             <a:ext cx="1711071" cy="1014222"/>
             <a:chOff x="1151001" y="851916"/>
             <a:chExt cx="1711071" cy="497205"/>
@@ -4686,7 +4691,7 @@
         </p:nvGrpSpPr>
         <p:grpSpPr>
           <a:xfrm>
-            <a:off x="9520045" y="699133"/>
+            <a:off x="9657205" y="1403221"/>
             <a:ext cx="1711071" cy="1017271"/>
             <a:chOff x="1151001" y="851915"/>
             <a:chExt cx="1711071" cy="608125"/>
@@ -4855,7 +4860,7 @@
         </p:nvSpPr>
         <p:spPr>
           <a:xfrm>
-            <a:off x="4996623" y="1713357"/>
+            <a:off x="5133783" y="2417445"/>
             <a:ext cx="484632" cy="393192"/>
           </a:xfrm>
           <a:prstGeom prst="upArrow">
@@ -4901,7 +4906,7 @@
         </p:nvSpPr>
         <p:spPr>
           <a:xfrm>
-            <a:off x="6747604" y="1725357"/>
+            <a:off x="6884764" y="2429445"/>
             <a:ext cx="484632" cy="393192"/>
           </a:xfrm>
           <a:prstGeom prst="upArrow">
@@ -4947,7 +4952,7 @@
         </p:nvSpPr>
         <p:spPr>
           <a:xfrm>
-            <a:off x="8437147" y="1728597"/>
+            <a:off x="8574307" y="2432685"/>
             <a:ext cx="484632" cy="393192"/>
           </a:xfrm>
           <a:prstGeom prst="upArrow">
@@ -4993,7 +4998,7 @@
         </p:nvSpPr>
         <p:spPr>
           <a:xfrm>
-            <a:off x="10125547" y="1728597"/>
+            <a:off x="10262707" y="2432685"/>
             <a:ext cx="484632" cy="393192"/>
           </a:xfrm>
           <a:prstGeom prst="upArrow">
@@ -5039,7 +5044,7 @@
         </p:nvCxnSpPr>
         <p:spPr>
           <a:xfrm flipH="1">
-            <a:off x="1234440" y="5153406"/>
+            <a:off x="1371600" y="5857494"/>
             <a:ext cx="3378327" cy="0"/>
           </a:xfrm>
           <a:prstGeom prst="line">
@@ -5078,7 +5083,7 @@
         </p:nvCxnSpPr>
         <p:spPr>
           <a:xfrm flipH="1">
-            <a:off x="1234440" y="5700522"/>
+            <a:off x="1371600" y="6404610"/>
             <a:ext cx="3378327" cy="0"/>
           </a:xfrm>
           <a:prstGeom prst="line">
@@ -5117,7 +5122,7 @@
         </p:nvCxnSpPr>
         <p:spPr>
           <a:xfrm flipH="1">
-            <a:off x="1234440" y="2584323"/>
+            <a:off x="1371600" y="3288411"/>
             <a:ext cx="3378327" cy="0"/>
           </a:xfrm>
           <a:prstGeom prst="line">
@@ -5156,7 +5161,7 @@
         </p:nvCxnSpPr>
         <p:spPr>
           <a:xfrm flipH="1">
-            <a:off x="1234440" y="1707069"/>
+            <a:off x="1371600" y="2411157"/>
             <a:ext cx="3378327" cy="0"/>
           </a:xfrm>
           <a:prstGeom prst="line">
@@ -5195,7 +5200,7 @@
         </p:nvCxnSpPr>
         <p:spPr>
           <a:xfrm flipH="1">
-            <a:off x="1234440" y="692275"/>
+            <a:off x="1371600" y="1405507"/>
             <a:ext cx="3378327" cy="0"/>
           </a:xfrm>
           <a:prstGeom prst="line">
@@ -5234,7 +5239,7 @@
         </p:nvSpPr>
         <p:spPr>
           <a:xfrm>
-            <a:off x="1422083" y="5246870"/>
+            <a:off x="1559243" y="5950958"/>
             <a:ext cx="1096839" cy="369332"/>
           </a:xfrm>
           <a:prstGeom prst="rect">
@@ -5280,7 +5285,7 @@
         </p:nvCxnSpPr>
         <p:spPr>
           <a:xfrm flipH="1">
-            <a:off x="1234439" y="4309110"/>
+            <a:off x="1371599" y="5013198"/>
             <a:ext cx="3840481" cy="0"/>
           </a:xfrm>
           <a:prstGeom prst="line">
@@ -5319,7 +5324,7 @@
         </p:nvSpPr>
         <p:spPr>
           <a:xfrm>
-            <a:off x="1422082" y="4528947"/>
+            <a:off x="1559242" y="5233035"/>
             <a:ext cx="3287888" cy="369332"/>
           </a:xfrm>
           <a:prstGeom prst="rect">
@@ -5363,7 +5368,7 @@
         </p:nvSpPr>
         <p:spPr>
           <a:xfrm>
-            <a:off x="1234010" y="3270624"/>
+            <a:off x="1371170" y="3974712"/>
             <a:ext cx="2564485" cy="369332"/>
           </a:xfrm>
           <a:prstGeom prst="rect">
@@ -5407,7 +5412,7 @@
         </p:nvSpPr>
         <p:spPr>
           <a:xfrm>
-            <a:off x="1184011" y="1986654"/>
+            <a:off x="1321171" y="2690742"/>
             <a:ext cx="1602362" cy="369332"/>
           </a:xfrm>
           <a:prstGeom prst="rect">
@@ -5451,7 +5456,7 @@
         </p:nvSpPr>
         <p:spPr>
           <a:xfrm>
-            <a:off x="1234010" y="988668"/>
+            <a:off x="1371170" y="1692756"/>
             <a:ext cx="2561022" cy="646331"/>
           </a:xfrm>
           <a:prstGeom prst="rect">
@@ -5488,6 +5493,250 @@
                 <a:srgbClr val="0070C0"/>
               </a:solidFill>
             </a:endParaRPr>
+          </a:p>
+        </p:txBody>
+      </p:sp>
+      <p:sp>
+        <p:nvSpPr>
+          <p:cNvPr id="3" name="Arrow: Up 2">
+            <a:extLst>
+              <a:ext uri="{FF2B5EF4-FFF2-40B4-BE49-F238E27FC236}">
+                <a16:creationId xmlns:a16="http://schemas.microsoft.com/office/drawing/2014/main" id="{41BCD42D-0BE9-19BF-8E0B-BED21A09D9F2}"/>
+              </a:ext>
+            </a:extLst>
+          </p:cNvPr>
+          <p:cNvSpPr/>
+          <p:nvPr/>
+        </p:nvSpPr>
+        <p:spPr>
+          <a:xfrm>
+            <a:off x="4587430" y="712378"/>
+            <a:ext cx="1577338" cy="686179"/>
+          </a:xfrm>
+          <a:prstGeom prst="upArrow">
+            <a:avLst>
+              <a:gd name="adj1" fmla="val 62754"/>
+              <a:gd name="adj2" fmla="val 50000"/>
+            </a:avLst>
+          </a:prstGeom>
+          <a:solidFill>
+            <a:schemeClr val="bg2">
+              <a:lumMod val="25000"/>
+            </a:schemeClr>
+          </a:solidFill>
+        </p:spPr>
+        <p:style>
+          <a:lnRef idx="2">
+            <a:schemeClr val="accent1">
+              <a:shade val="15000"/>
+            </a:schemeClr>
+          </a:lnRef>
+          <a:fillRef idx="1">
+            <a:schemeClr val="accent1"/>
+          </a:fillRef>
+          <a:effectRef idx="0">
+            <a:schemeClr val="accent1"/>
+          </a:effectRef>
+          <a:fontRef idx="minor">
+            <a:schemeClr val="lt1"/>
+          </a:fontRef>
+        </p:style>
+        <p:txBody>
+          <a:bodyPr rtlCol="0" anchor="ctr"/>
+          <a:lstStyle/>
+          <a:p>
+            <a:pPr algn="ctr"/>
+            <a:r>
+              <a:rPr lang="en-US" sz="1050" dirty="0"/>
+              <a:t>JSON </a:t>
+            </a:r>
+            <a:r>
+              <a:rPr lang="en-US" sz="1050" dirty="0" err="1"/>
+              <a:t>Denm</a:t>
+            </a:r>
+            <a:endParaRPr lang="pt-PT" sz="1050" dirty="0"/>
+          </a:p>
+        </p:txBody>
+      </p:sp>
+      <p:sp>
+        <p:nvSpPr>
+          <p:cNvPr id="4" name="Arrow: Up 3">
+            <a:extLst>
+              <a:ext uri="{FF2B5EF4-FFF2-40B4-BE49-F238E27FC236}">
+                <a16:creationId xmlns:a16="http://schemas.microsoft.com/office/drawing/2014/main" id="{6137DC53-E95C-31B7-2598-10EB7E284A85}"/>
+              </a:ext>
+            </a:extLst>
+          </p:cNvPr>
+          <p:cNvSpPr/>
+          <p:nvPr/>
+        </p:nvSpPr>
+        <p:spPr>
+          <a:xfrm>
+            <a:off x="6298500" y="704658"/>
+            <a:ext cx="1577338" cy="689040"/>
+          </a:xfrm>
+          <a:prstGeom prst="upArrow">
+            <a:avLst>
+              <a:gd name="adj1" fmla="val 65072"/>
+              <a:gd name="adj2" fmla="val 50000"/>
+            </a:avLst>
+          </a:prstGeom>
+          <a:solidFill>
+            <a:schemeClr val="bg2">
+              <a:lumMod val="25000"/>
+            </a:schemeClr>
+          </a:solidFill>
+        </p:spPr>
+        <p:style>
+          <a:lnRef idx="2">
+            <a:schemeClr val="accent1">
+              <a:shade val="15000"/>
+            </a:schemeClr>
+          </a:lnRef>
+          <a:fillRef idx="1">
+            <a:schemeClr val="accent1"/>
+          </a:fillRef>
+          <a:effectRef idx="0">
+            <a:schemeClr val="accent1"/>
+          </a:effectRef>
+          <a:fontRef idx="minor">
+            <a:schemeClr val="lt1"/>
+          </a:fontRef>
+        </p:style>
+        <p:txBody>
+          <a:bodyPr rtlCol="0" anchor="ctr"/>
+          <a:lstStyle/>
+          <a:p>
+            <a:pPr algn="ctr"/>
+            <a:r>
+              <a:rPr lang="en-US" sz="1050" dirty="0"/>
+              <a:t>Proto2</a:t>
+            </a:r>
+            <a:endParaRPr lang="pt-PT" sz="1050" dirty="0"/>
+          </a:p>
+        </p:txBody>
+      </p:sp>
+      <p:sp>
+        <p:nvSpPr>
+          <p:cNvPr id="5" name="Arrow: Up 4">
+            <a:extLst>
+              <a:ext uri="{FF2B5EF4-FFF2-40B4-BE49-F238E27FC236}">
+                <a16:creationId xmlns:a16="http://schemas.microsoft.com/office/drawing/2014/main" id="{F14A7D27-D41E-CF1B-ACB3-A67693923213}"/>
+              </a:ext>
+            </a:extLst>
+          </p:cNvPr>
+          <p:cNvSpPr/>
+          <p:nvPr/>
+        </p:nvSpPr>
+        <p:spPr>
+          <a:xfrm>
+            <a:off x="8009569" y="719328"/>
+            <a:ext cx="1577338" cy="686179"/>
+          </a:xfrm>
+          <a:prstGeom prst="upArrow">
+            <a:avLst>
+              <a:gd name="adj1" fmla="val 65072"/>
+              <a:gd name="adj2" fmla="val 44670"/>
+            </a:avLst>
+          </a:prstGeom>
+          <a:solidFill>
+            <a:schemeClr val="bg2">
+              <a:lumMod val="25000"/>
+            </a:schemeClr>
+          </a:solidFill>
+        </p:spPr>
+        <p:style>
+          <a:lnRef idx="2">
+            <a:schemeClr val="accent1">
+              <a:shade val="15000"/>
+            </a:schemeClr>
+          </a:lnRef>
+          <a:fillRef idx="1">
+            <a:schemeClr val="accent1"/>
+          </a:fillRef>
+          <a:effectRef idx="0">
+            <a:schemeClr val="accent1"/>
+          </a:effectRef>
+          <a:fontRef idx="minor">
+            <a:schemeClr val="lt1"/>
+          </a:fontRef>
+        </p:style>
+        <p:txBody>
+          <a:bodyPr rtlCol="0" anchor="ctr"/>
+          <a:lstStyle/>
+          <a:p>
+            <a:pPr algn="ctr"/>
+            <a:r>
+              <a:rPr lang="en-US" sz="1050" dirty="0"/>
+              <a:t>Proto2</a:t>
+            </a:r>
+            <a:endParaRPr lang="pt-PT" sz="1050" dirty="0"/>
+          </a:p>
+        </p:txBody>
+      </p:sp>
+      <p:sp>
+        <p:nvSpPr>
+          <p:cNvPr id="6" name="Arrow: Up 5">
+            <a:extLst>
+              <a:ext uri="{FF2B5EF4-FFF2-40B4-BE49-F238E27FC236}">
+                <a16:creationId xmlns:a16="http://schemas.microsoft.com/office/drawing/2014/main" id="{1CAB6ED8-D1CF-E368-6237-225E00309DD5}"/>
+              </a:ext>
+            </a:extLst>
+          </p:cNvPr>
+          <p:cNvSpPr/>
+          <p:nvPr/>
+        </p:nvSpPr>
+        <p:spPr>
+          <a:xfrm>
+            <a:off x="9716354" y="795145"/>
+            <a:ext cx="1577338" cy="595883"/>
+          </a:xfrm>
+          <a:prstGeom prst="upArrow">
+            <a:avLst>
+              <a:gd name="adj1" fmla="val 63913"/>
+              <a:gd name="adj2" fmla="val 39258"/>
+            </a:avLst>
+          </a:prstGeom>
+          <a:solidFill>
+            <a:schemeClr val="bg2">
+              <a:lumMod val="25000"/>
+            </a:schemeClr>
+          </a:solidFill>
+        </p:spPr>
+        <p:style>
+          <a:lnRef idx="2">
+            <a:schemeClr val="accent1">
+              <a:shade val="15000"/>
+            </a:schemeClr>
+          </a:lnRef>
+          <a:fillRef idx="1">
+            <a:schemeClr val="accent1"/>
+          </a:fillRef>
+          <a:effectRef idx="0">
+            <a:schemeClr val="accent1"/>
+          </a:effectRef>
+          <a:fontRef idx="minor">
+            <a:schemeClr val="lt1"/>
+          </a:fontRef>
+        </p:style>
+        <p:txBody>
+          <a:bodyPr rtlCol="0" anchor="ctr"/>
+          <a:lstStyle/>
+          <a:p>
+            <a:pPr algn="ctr"/>
+            <a:r>
+              <a:rPr lang="en-US" sz="800" dirty="0" err="1"/>
+              <a:t>WsWarning</a:t>
+            </a:r>
+            <a:endParaRPr lang="en-US" sz="800" dirty="0"/>
+          </a:p>
+          <a:p>
+            <a:pPr algn="ctr"/>
+            <a:r>
+              <a:rPr lang="en-US" sz="800" dirty="0" err="1"/>
+              <a:t>PolygonCoordinates</a:t>
+            </a:r>
+            <a:endParaRPr lang="pt-PT" sz="800" dirty="0"/>
           </a:p>
         </p:txBody>
       </p:sp>
